--- a/2nd iteration/demo/Presentation1.pptx
+++ b/2nd iteration/demo/Presentation1.pptx
@@ -5,15 +5,22 @@
     <p:sldMasterId id="2147483648" r:id="rId1"/>
   </p:sldMasterIdLst>
   <p:notesMasterIdLst>
-    <p:notesMasterId r:id="rId8"/>
+    <p:notesMasterId r:id="rId15"/>
   </p:notesMasterIdLst>
   <p:sldIdLst>
     <p:sldId id="256" r:id="rId2"/>
     <p:sldId id="257" r:id="rId3"/>
     <p:sldId id="258" r:id="rId4"/>
-    <p:sldId id="259" r:id="rId5"/>
-    <p:sldId id="260" r:id="rId6"/>
-    <p:sldId id="261" r:id="rId7"/>
+    <p:sldId id="263" r:id="rId5"/>
+    <p:sldId id="259" r:id="rId6"/>
+    <p:sldId id="260" r:id="rId7"/>
+    <p:sldId id="264" r:id="rId8"/>
+    <p:sldId id="268" r:id="rId9"/>
+    <p:sldId id="261" r:id="rId10"/>
+    <p:sldId id="265" r:id="rId11"/>
+    <p:sldId id="266" r:id="rId12"/>
+    <p:sldId id="267" r:id="rId13"/>
+    <p:sldId id="262" r:id="rId14"/>
   </p:sldIdLst>
   <p:sldSz cx="9144000" cy="6858000" type="screen4x3"/>
   <p:notesSz cx="6858000" cy="9144000"/>
@@ -198,7 +205,7 @@
             <a:fld id="{1E0454D6-5043-3942-B4B4-79AFB722987F}" type="datetimeFigureOut">
               <a:rPr lang="en-US" smtClean="0"/>
               <a:pPr/>
-              <a:t>12/4/09</a:t>
+              <a:t>12/7/09</a:t>
             </a:fld>
             <a:endParaRPr lang="en-US"/>
           </a:p>
@@ -728,7 +735,7 @@
             <a:fld id="{9E8542C9-AD4D-7B43-9982-45D660AF2CD2}" type="datetimeFigureOut">
               <a:rPr lang="en-US" smtClean="0"/>
               <a:pPr/>
-              <a:t>12/4/09</a:t>
+              <a:t>12/7/09</a:t>
             </a:fld>
             <a:endParaRPr lang="en-US"/>
           </a:p>
@@ -895,7 +902,7 @@
             <a:fld id="{9E8542C9-AD4D-7B43-9982-45D660AF2CD2}" type="datetimeFigureOut">
               <a:rPr lang="en-US" smtClean="0"/>
               <a:pPr/>
-              <a:t>12/4/09</a:t>
+              <a:t>12/7/09</a:t>
             </a:fld>
             <a:endParaRPr lang="en-US"/>
           </a:p>
@@ -1072,7 +1079,7 @@
             <a:fld id="{9E8542C9-AD4D-7B43-9982-45D660AF2CD2}" type="datetimeFigureOut">
               <a:rPr lang="en-US" smtClean="0"/>
               <a:pPr/>
-              <a:t>12/4/09</a:t>
+              <a:t>12/7/09</a:t>
             </a:fld>
             <a:endParaRPr lang="en-US"/>
           </a:p>
@@ -1239,7 +1246,7 @@
             <a:fld id="{9E8542C9-AD4D-7B43-9982-45D660AF2CD2}" type="datetimeFigureOut">
               <a:rPr lang="en-US" smtClean="0"/>
               <a:pPr/>
-              <a:t>12/4/09</a:t>
+              <a:t>12/7/09</a:t>
             </a:fld>
             <a:endParaRPr lang="en-US"/>
           </a:p>
@@ -1482,7 +1489,7 @@
             <a:fld id="{9E8542C9-AD4D-7B43-9982-45D660AF2CD2}" type="datetimeFigureOut">
               <a:rPr lang="en-US" smtClean="0"/>
               <a:pPr/>
-              <a:t>12/4/09</a:t>
+              <a:t>12/7/09</a:t>
             </a:fld>
             <a:endParaRPr lang="en-US"/>
           </a:p>
@@ -1767,7 +1774,7 @@
             <a:fld id="{9E8542C9-AD4D-7B43-9982-45D660AF2CD2}" type="datetimeFigureOut">
               <a:rPr lang="en-US" smtClean="0"/>
               <a:pPr/>
-              <a:t>12/4/09</a:t>
+              <a:t>12/7/09</a:t>
             </a:fld>
             <a:endParaRPr lang="en-US"/>
           </a:p>
@@ -2186,7 +2193,7 @@
             <a:fld id="{9E8542C9-AD4D-7B43-9982-45D660AF2CD2}" type="datetimeFigureOut">
               <a:rPr lang="en-US" smtClean="0"/>
               <a:pPr/>
-              <a:t>12/4/09</a:t>
+              <a:t>12/7/09</a:t>
             </a:fld>
             <a:endParaRPr lang="en-US"/>
           </a:p>
@@ -2301,7 +2308,7 @@
             <a:fld id="{9E8542C9-AD4D-7B43-9982-45D660AF2CD2}" type="datetimeFigureOut">
               <a:rPr lang="en-US" smtClean="0"/>
               <a:pPr/>
-              <a:t>12/4/09</a:t>
+              <a:t>12/7/09</a:t>
             </a:fld>
             <a:endParaRPr lang="en-US"/>
           </a:p>
@@ -2393,7 +2400,7 @@
             <a:fld id="{9E8542C9-AD4D-7B43-9982-45D660AF2CD2}" type="datetimeFigureOut">
               <a:rPr lang="en-US" smtClean="0"/>
               <a:pPr/>
-              <a:t>12/4/09</a:t>
+              <a:t>12/7/09</a:t>
             </a:fld>
             <a:endParaRPr lang="en-US"/>
           </a:p>
@@ -2667,7 +2674,7 @@
             <a:fld id="{9E8542C9-AD4D-7B43-9982-45D660AF2CD2}" type="datetimeFigureOut">
               <a:rPr lang="en-US" smtClean="0"/>
               <a:pPr/>
-              <a:t>12/4/09</a:t>
+              <a:t>12/7/09</a:t>
             </a:fld>
             <a:endParaRPr lang="en-US"/>
           </a:p>
@@ -2917,7 +2924,7 @@
             <a:fld id="{9E8542C9-AD4D-7B43-9982-45D660AF2CD2}" type="datetimeFigureOut">
               <a:rPr lang="en-US" smtClean="0"/>
               <a:pPr/>
-              <a:t>12/4/09</a:t>
+              <a:t>12/7/09</a:t>
             </a:fld>
             <a:endParaRPr lang="en-US"/>
           </a:p>
@@ -3127,7 +3134,7 @@
             <a:fld id="{9E8542C9-AD4D-7B43-9982-45D660AF2CD2}" type="datetimeFigureOut">
               <a:rPr lang="en-US" smtClean="0"/>
               <a:pPr/>
-              <a:t>12/4/09</a:t>
+              <a:t>12/7/09</a:t>
             </a:fld>
             <a:endParaRPr lang="en-US"/>
           </a:p>
@@ -3647,6 +3654,711 @@
 </p:sld>
 </file>
 
+<file path=ppt/slides/slide10.xml><?xml version="1.0" encoding="utf-8"?>
+<p:sld xmlns:a="http://schemas.openxmlformats.org/drawingml/2006/main" xmlns:r="http://schemas.openxmlformats.org/officeDocument/2006/relationships" xmlns:mc="http://schemas.openxmlformats.org/markup-compatibility/2006" xmlns:mv="urn:schemas-microsoft-com:mac:vml" xmlns:p="http://schemas.openxmlformats.org/presentationml/2006/main" mc:Ignorable="mv" mc:PreserveAttributes="mv:*">
+  <p:cSld>
+    <p:spTree>
+      <p:nvGrpSpPr>
+        <p:cNvPr id="1" name=""/>
+        <p:cNvGrpSpPr/>
+        <p:nvPr/>
+      </p:nvGrpSpPr>
+      <p:grpSpPr>
+        <a:xfrm>
+          <a:off x="0" y="0"/>
+          <a:ext cx="0" cy="0"/>
+          <a:chOff x="0" y="0"/>
+          <a:chExt cx="0" cy="0"/>
+        </a:xfrm>
+      </p:grpSpPr>
+      <p:pic>
+        <p:nvPicPr>
+          <p:cNvPr id="5" name="Picture 4" descr="photo-2.jpg"/>
+          <p:cNvPicPr>
+            <a:picLocks noChangeAspect="1"/>
+          </p:cNvPicPr>
+          <p:nvPr/>
+        </p:nvPicPr>
+        <p:blipFill>
+          <a:blip r:embed="rId2"/>
+          <a:stretch>
+            <a:fillRect/>
+          </a:stretch>
+        </p:blipFill>
+        <p:spPr>
+          <a:xfrm>
+            <a:off x="329671" y="533929"/>
+            <a:ext cx="4064000" cy="6096001"/>
+          </a:xfrm>
+          <a:prstGeom prst="rect">
+            <a:avLst/>
+          </a:prstGeom>
+        </p:spPr>
+      </p:pic>
+      <p:sp>
+        <p:nvSpPr>
+          <p:cNvPr id="7" name="TextBox 6"/>
+          <p:cNvSpPr txBox="1"/>
+          <p:nvPr/>
+        </p:nvSpPr>
+        <p:spPr>
+          <a:xfrm>
+            <a:off x="4393671" y="1498600"/>
+            <a:ext cx="4750329" cy="2354491"/>
+          </a:xfrm>
+          <a:prstGeom prst="rect">
+            <a:avLst/>
+          </a:prstGeom>
+          <a:noFill/>
+        </p:spPr>
+        <p:txBody>
+          <a:bodyPr wrap="square" rtlCol="0">
+            <a:spAutoFit/>
+          </a:bodyPr>
+          <a:lstStyle/>
+          <a:p>
+            <a:r>
+              <a:rPr lang="en-US" sz="4800" dirty="0" smtClean="0"/>
+              <a:t>When we started, I owed </a:t>
+            </a:r>
+            <a:r>
+              <a:rPr lang="en-US" sz="4800" dirty="0" err="1" smtClean="0"/>
+              <a:t>Waseem</a:t>
+            </a:r>
+            <a:endParaRPr lang="en-US" sz="4800" dirty="0" smtClean="0"/>
+          </a:p>
+          <a:p>
+            <a:r>
+              <a:rPr lang="en-US" sz="4800" dirty="0" smtClean="0"/>
+              <a:t>a </a:t>
+            </a:r>
+            <a:r>
+              <a:rPr lang="en-US" sz="4800" b="1" dirty="0" smtClean="0"/>
+              <a:t>ton</a:t>
+            </a:r>
+            <a:r>
+              <a:rPr lang="en-US" sz="4800" dirty="0" smtClean="0"/>
+              <a:t> of cash </a:t>
+            </a:r>
+            <a:r>
+              <a:rPr lang="en-US" sz="4800" dirty="0" err="1" smtClean="0">
+                <a:sym typeface="Wingdings"/>
+              </a:rPr>
+              <a:t></a:t>
+            </a:r>
+            <a:endParaRPr lang="en-US" sz="4800" dirty="0"/>
+          </a:p>
+        </p:txBody>
+      </p:sp>
+    </p:spTree>
+  </p:cSld>
+  <p:clrMapOvr>
+    <a:masterClrMapping/>
+  </p:clrMapOvr>
+</p:sld>
+</file>
+
+<file path=ppt/slides/slide11.xml><?xml version="1.0" encoding="utf-8"?>
+<p:sld xmlns:a="http://schemas.openxmlformats.org/drawingml/2006/main" xmlns:r="http://schemas.openxmlformats.org/officeDocument/2006/relationships" xmlns:mc="http://schemas.openxmlformats.org/markup-compatibility/2006" xmlns:mv="urn:schemas-microsoft-com:mac:vml" xmlns:p="http://schemas.openxmlformats.org/presentationml/2006/main" mc:Ignorable="mv" mc:PreserveAttributes="mv:*">
+  <p:cSld>
+    <p:spTree>
+      <p:nvGrpSpPr>
+        <p:cNvPr id="1" name=""/>
+        <p:cNvGrpSpPr/>
+        <p:nvPr/>
+      </p:nvGrpSpPr>
+      <p:grpSpPr>
+        <a:xfrm>
+          <a:off x="0" y="0"/>
+          <a:ext cx="0" cy="0"/>
+          <a:chOff x="0" y="0"/>
+          <a:chExt cx="0" cy="0"/>
+        </a:xfrm>
+      </p:grpSpPr>
+      <p:pic>
+        <p:nvPicPr>
+          <p:cNvPr id="4" name="Picture 3" descr="IMG_0074.PNG"/>
+          <p:cNvPicPr>
+            <a:picLocks noChangeAspect="1"/>
+          </p:cNvPicPr>
+          <p:nvPr/>
+        </p:nvPicPr>
+        <p:blipFill>
+          <a:blip r:embed="rId2"/>
+          <a:stretch>
+            <a:fillRect/>
+          </a:stretch>
+        </p:blipFill>
+        <p:spPr>
+          <a:xfrm>
+            <a:off x="4792664" y="262997"/>
+            <a:ext cx="4064000" cy="6096000"/>
+          </a:xfrm>
+          <a:prstGeom prst="rect">
+            <a:avLst/>
+          </a:prstGeom>
+        </p:spPr>
+      </p:pic>
+      <p:sp>
+        <p:nvSpPr>
+          <p:cNvPr id="5" name="TextBox 4"/>
+          <p:cNvSpPr txBox="1"/>
+          <p:nvPr/>
+        </p:nvSpPr>
+        <p:spPr>
+          <a:xfrm>
+            <a:off x="0" y="1490133"/>
+            <a:ext cx="4792664" cy="2862322"/>
+          </a:xfrm>
+          <a:prstGeom prst="rect">
+            <a:avLst/>
+          </a:prstGeom>
+          <a:noFill/>
+        </p:spPr>
+        <p:txBody>
+          <a:bodyPr wrap="square" rtlCol="0">
+            <a:spAutoFit/>
+          </a:bodyPr>
+          <a:lstStyle/>
+          <a:p>
+            <a:r>
+              <a:rPr lang="en-US" sz="5900" dirty="0" smtClean="0"/>
+              <a:t>And yet, </a:t>
+            </a:r>
+          </a:p>
+          <a:p>
+            <a:r>
+              <a:rPr lang="en-US" sz="5900" dirty="0" smtClean="0"/>
+              <a:t>he still lent me another $5</a:t>
+            </a:r>
+            <a:endParaRPr lang="en-US" sz="5900" dirty="0"/>
+          </a:p>
+        </p:txBody>
+      </p:sp>
+    </p:spTree>
+  </p:cSld>
+  <p:clrMapOvr>
+    <a:masterClrMapping/>
+  </p:clrMapOvr>
+</p:sld>
+</file>
+
+<file path=ppt/slides/slide12.xml><?xml version="1.0" encoding="utf-8"?>
+<p:sld xmlns:a="http://schemas.openxmlformats.org/drawingml/2006/main" xmlns:r="http://schemas.openxmlformats.org/officeDocument/2006/relationships" xmlns:mc="http://schemas.openxmlformats.org/markup-compatibility/2006" xmlns:mv="urn:schemas-microsoft-com:mac:vml" xmlns:p="http://schemas.openxmlformats.org/presentationml/2006/main" mc:Ignorable="mv" mc:PreserveAttributes="mv:*">
+  <p:cSld>
+    <p:spTree>
+      <p:nvGrpSpPr>
+        <p:cNvPr id="1" name=""/>
+        <p:cNvGrpSpPr/>
+        <p:nvPr/>
+      </p:nvGrpSpPr>
+      <p:grpSpPr>
+        <a:xfrm>
+          <a:off x="0" y="0"/>
+          <a:ext cx="0" cy="0"/>
+          <a:chOff x="0" y="0"/>
+          <a:chExt cx="0" cy="0"/>
+        </a:xfrm>
+      </p:grpSpPr>
+      <p:pic>
+        <p:nvPicPr>
+          <p:cNvPr id="4" name="Picture 3" descr="IMG_0075.PNG"/>
+          <p:cNvPicPr>
+            <a:picLocks noChangeAspect="1"/>
+          </p:cNvPicPr>
+          <p:nvPr/>
+        </p:nvPicPr>
+        <p:blipFill>
+          <a:blip r:embed="rId2"/>
+          <a:stretch>
+            <a:fillRect/>
+          </a:stretch>
+        </p:blipFill>
+        <p:spPr>
+          <a:xfrm>
+            <a:off x="152400" y="245534"/>
+            <a:ext cx="4064000" cy="6096001"/>
+          </a:xfrm>
+          <a:prstGeom prst="rect">
+            <a:avLst/>
+          </a:prstGeom>
+        </p:spPr>
+      </p:pic>
+      <p:sp>
+        <p:nvSpPr>
+          <p:cNvPr id="5" name="TextBox 4"/>
+          <p:cNvSpPr txBox="1"/>
+          <p:nvPr/>
+        </p:nvSpPr>
+        <p:spPr>
+          <a:xfrm>
+            <a:off x="4368800" y="372533"/>
+            <a:ext cx="4555067" cy="1261884"/>
+          </a:xfrm>
+          <a:prstGeom prst="rect">
+            <a:avLst/>
+          </a:prstGeom>
+          <a:noFill/>
+        </p:spPr>
+        <p:txBody>
+          <a:bodyPr wrap="square" rtlCol="0">
+            <a:spAutoFit/>
+          </a:bodyPr>
+          <a:lstStyle/>
+          <a:p>
+            <a:r>
+              <a:rPr lang="en-US" sz="3800" dirty="0" smtClean="0"/>
+              <a:t>At least I paid him back something…</a:t>
+            </a:r>
+            <a:endParaRPr lang="en-US" sz="3800" dirty="0"/>
+          </a:p>
+        </p:txBody>
+      </p:sp>
+    </p:spTree>
+  </p:cSld>
+  <p:clrMapOvr>
+    <a:masterClrMapping/>
+  </p:clrMapOvr>
+</p:sld>
+</file>
+
+<file path=ppt/slides/slide13.xml><?xml version="1.0" encoding="utf-8"?>
+<p:sld xmlns:a="http://schemas.openxmlformats.org/drawingml/2006/main" xmlns:r="http://schemas.openxmlformats.org/officeDocument/2006/relationships" xmlns:mc="http://schemas.openxmlformats.org/markup-compatibility/2006" xmlns:mv="urn:schemas-microsoft-com:mac:vml" xmlns:p="http://schemas.openxmlformats.org/presentationml/2006/main" mc:Ignorable="mv" mc:PreserveAttributes="mv:*">
+  <p:cSld>
+    <p:spTree>
+      <p:nvGrpSpPr>
+        <p:cNvPr id="1" name=""/>
+        <p:cNvGrpSpPr/>
+        <p:nvPr/>
+      </p:nvGrpSpPr>
+      <p:grpSpPr>
+        <a:xfrm>
+          <a:off x="0" y="0"/>
+          <a:ext cx="0" cy="0"/>
+          <a:chOff x="0" y="0"/>
+          <a:chExt cx="0" cy="0"/>
+        </a:xfrm>
+      </p:grpSpPr>
+      <p:graphicFrame>
+        <p:nvGraphicFramePr>
+          <p:cNvPr id="4" name="Table 3"/>
+          <p:cNvGraphicFramePr>
+            <a:graphicFrameLocks noGrp="1"/>
+          </p:cNvGraphicFramePr>
+          <p:nvPr/>
+        </p:nvGraphicFramePr>
+        <p:xfrm>
+          <a:off x="491066" y="397935"/>
+          <a:ext cx="8170334" cy="2538866"/>
+        </p:xfrm>
+        <a:graphic>
+          <a:graphicData uri="http://schemas.openxmlformats.org/drawingml/2006/table">
+            <a:tbl>
+              <a:tblPr firstRow="1" bandRow="1">
+                <a:tableStyleId>{5C22544A-7EE6-4342-B048-85BDC9FD1C3A}</a:tableStyleId>
+              </a:tblPr>
+              <a:tblGrid>
+                <a:gridCol w="3090334"/>
+                <a:gridCol w="5080000"/>
+              </a:tblGrid>
+              <a:tr h="456142">
+                <a:tc>
+                  <a:txBody>
+                    <a:bodyPr/>
+                    <a:lstStyle/>
+                    <a:p>
+                      <a:r>
+                        <a:rPr lang="en-US" dirty="0" smtClean="0">
+                          <a:hlinkClick r:id="rId2"/>
+                        </a:rPr>
+                        <a:t>address@mycheapfriend.com</a:t>
+                      </a:r>
+                      <a:endParaRPr lang="en-US" dirty="0"/>
+                    </a:p>
+                  </a:txBody>
+                  <a:tcPr marL="102534" marR="102534" marT="51267" marB="51267"/>
+                </a:tc>
+                <a:tc>
+                  <a:txBody>
+                    <a:bodyPr/>
+                    <a:lstStyle/>
+                    <a:p>
+                      <a:r>
+                        <a:rPr lang="en-US" dirty="0" smtClean="0"/>
+                        <a:t>action</a:t>
+                      </a:r>
+                      <a:endParaRPr lang="en-US" dirty="0"/>
+                    </a:p>
+                  </a:txBody>
+                  <a:tcPr marL="102534" marR="102534" marT="51267" marB="51267"/>
+                </a:tc>
+              </a:tr>
+              <a:tr h="714298">
+                <a:tc>
+                  <a:txBody>
+                    <a:bodyPr/>
+                    <a:lstStyle/>
+                    <a:p>
+                      <a:r>
+                        <a:rPr lang="en-US" dirty="0" err="1" smtClean="0"/>
+                        <a:t>new_account</a:t>
+                      </a:r>
+                      <a:endParaRPr lang="en-US" dirty="0"/>
+                    </a:p>
+                  </a:txBody>
+                  <a:tcPr marL="102534" marR="102534" marT="51267" marB="51267"/>
+                </a:tc>
+                <a:tc>
+                  <a:txBody>
+                    <a:bodyPr/>
+                    <a:lstStyle/>
+                    <a:p>
+                      <a:r>
+                        <a:rPr lang="en-US" dirty="0" smtClean="0"/>
+                        <a:t>Create a new account</a:t>
+                      </a:r>
+                      <a:r>
+                        <a:rPr lang="en-US" baseline="0" dirty="0" smtClean="0"/>
+                        <a:t>, gives a new password</a:t>
+                      </a:r>
+                      <a:endParaRPr lang="en-US" dirty="0"/>
+                    </a:p>
+                  </a:txBody>
+                  <a:tcPr marL="102534" marR="102534" marT="51267" marB="51267"/>
+                </a:tc>
+              </a:tr>
+              <a:tr h="456142">
+                <a:tc>
+                  <a:txBody>
+                    <a:bodyPr/>
+                    <a:lstStyle/>
+                    <a:p>
+                      <a:r>
+                        <a:rPr lang="en-US" dirty="0" err="1" smtClean="0"/>
+                        <a:t>Reset_pass</a:t>
+                      </a:r>
+                      <a:endParaRPr lang="en-US" dirty="0"/>
+                    </a:p>
+                  </a:txBody>
+                  <a:tcPr marL="102534" marR="102534" marT="51267" marB="51267"/>
+                </a:tc>
+                <a:tc>
+                  <a:txBody>
+                    <a:bodyPr/>
+                    <a:lstStyle/>
+                    <a:p>
+                      <a:r>
+                        <a:rPr lang="en-US" dirty="0" smtClean="0"/>
+                        <a:t>Gives a new password</a:t>
+                      </a:r>
+                      <a:endParaRPr lang="en-US" dirty="0"/>
+                    </a:p>
+                  </a:txBody>
+                  <a:tcPr marL="102534" marR="102534" marT="51267" marB="51267"/>
+                </a:tc>
+              </a:tr>
+              <a:tr h="456142">
+                <a:tc>
+                  <a:txBody>
+                    <a:bodyPr/>
+                    <a:lstStyle/>
+                    <a:p>
+                      <a:r>
+                        <a:rPr lang="en-US" dirty="0" smtClean="0"/>
+                        <a:t>Unsubscribe</a:t>
+                      </a:r>
+                      <a:endParaRPr lang="en-US" dirty="0"/>
+                    </a:p>
+                  </a:txBody>
+                  <a:tcPr marL="102534" marR="102534" marT="51267" marB="51267"/>
+                </a:tc>
+                <a:tc>
+                  <a:txBody>
+                    <a:bodyPr/>
+                    <a:lstStyle/>
+                    <a:p>
+                      <a:r>
+                        <a:rPr lang="en-US" dirty="0" smtClean="0"/>
+                        <a:t>Stops all contact from us</a:t>
+                      </a:r>
+                      <a:endParaRPr lang="en-US" dirty="0"/>
+                    </a:p>
+                  </a:txBody>
+                  <a:tcPr marL="102534" marR="102534" marT="51267" marB="51267"/>
+                </a:tc>
+              </a:tr>
+              <a:tr h="456142">
+                <a:tc>
+                  <a:txBody>
+                    <a:bodyPr/>
+                    <a:lstStyle/>
+                    <a:p>
+                      <a:r>
+                        <a:rPr lang="en-US" dirty="0" err="1" smtClean="0"/>
+                        <a:t>resubscribe</a:t>
+                      </a:r>
+                      <a:endParaRPr lang="en-US" dirty="0"/>
+                    </a:p>
+                  </a:txBody>
+                  <a:tcPr marL="102534" marR="102534" marT="51267" marB="51267"/>
+                </a:tc>
+                <a:tc>
+                  <a:txBody>
+                    <a:bodyPr/>
+                    <a:lstStyle/>
+                    <a:p>
+                      <a:r>
+                        <a:rPr lang="en-US" dirty="0" smtClean="0"/>
+                        <a:t>Resumes contact from us</a:t>
+                      </a:r>
+                      <a:endParaRPr lang="en-US" dirty="0"/>
+                    </a:p>
+                  </a:txBody>
+                  <a:tcPr marL="102534" marR="102534" marT="51267" marB="51267"/>
+                </a:tc>
+              </a:tr>
+            </a:tbl>
+          </a:graphicData>
+        </a:graphic>
+      </p:graphicFrame>
+      <p:graphicFrame>
+        <p:nvGraphicFramePr>
+          <p:cNvPr id="8" name="Table 7"/>
+          <p:cNvGraphicFramePr>
+            <a:graphicFrameLocks noGrp="1"/>
+          </p:cNvGraphicFramePr>
+          <p:nvPr/>
+        </p:nvGraphicFramePr>
+        <p:xfrm>
+          <a:off x="491066" y="3242733"/>
+          <a:ext cx="8170334" cy="2538866"/>
+        </p:xfrm>
+        <a:graphic>
+          <a:graphicData uri="http://schemas.openxmlformats.org/drawingml/2006/table">
+            <a:tbl>
+              <a:tblPr firstRow="1" bandRow="1">
+                <a:tableStyleId>{5C22544A-7EE6-4342-B048-85BDC9FD1C3A}</a:tableStyleId>
+              </a:tblPr>
+              <a:tblGrid>
+                <a:gridCol w="3090334"/>
+                <a:gridCol w="5080000"/>
+              </a:tblGrid>
+              <a:tr h="456142">
+                <a:tc>
+                  <a:txBody>
+                    <a:bodyPr/>
+                    <a:lstStyle/>
+                    <a:p>
+                      <a:r>
+                        <a:rPr lang="en-US" dirty="0" smtClean="0"/>
+                        <a:t>Action</a:t>
+                      </a:r>
+                      <a:endParaRPr lang="en-US" dirty="0"/>
+                    </a:p>
+                  </a:txBody>
+                  <a:tcPr marL="102534" marR="102534" marT="51267" marB="51267"/>
+                </a:tc>
+                <a:tc>
+                  <a:txBody>
+                    <a:bodyPr/>
+                    <a:lstStyle/>
+                    <a:p>
+                      <a:r>
+                        <a:rPr lang="en-US" dirty="0" smtClean="0"/>
+                        <a:t>Example </a:t>
+                      </a:r>
+                      <a:r>
+                        <a:rPr lang="en-US" dirty="0" err="1" smtClean="0"/>
+                        <a:t>message(s</a:t>
+                      </a:r>
+                      <a:r>
+                        <a:rPr lang="en-US" dirty="0" smtClean="0"/>
+                        <a:t>) (to: your secret address)</a:t>
+                      </a:r>
+                      <a:endParaRPr lang="en-US" dirty="0"/>
+                    </a:p>
+                  </a:txBody>
+                  <a:tcPr marL="102534" marR="102534" marT="51267" marB="51267"/>
+                </a:tc>
+              </a:tr>
+              <a:tr h="714298">
+                <a:tc>
+                  <a:txBody>
+                    <a:bodyPr/>
+                    <a:lstStyle/>
+                    <a:p>
+                      <a:r>
+                        <a:rPr lang="en-US" dirty="0" smtClean="0"/>
+                        <a:t>New bill</a:t>
+                      </a:r>
+                      <a:endParaRPr lang="en-US" dirty="0"/>
+                    </a:p>
+                  </a:txBody>
+                  <a:tcPr marL="102534" marR="102534" marT="51267" marB="51267"/>
+                </a:tc>
+                <a:tc>
+                  <a:txBody>
+                    <a:bodyPr/>
+                    <a:lstStyle/>
+                    <a:p>
+                      <a:r>
+                        <a:rPr lang="en-US" dirty="0" smtClean="0"/>
+                        <a:t>“6462294051 15.50”</a:t>
+                      </a:r>
+                    </a:p>
+                    <a:p>
+                      <a:r>
+                        <a:rPr lang="en-US" dirty="0" smtClean="0"/>
+                        <a:t>“Jon</a:t>
+                      </a:r>
+                      <a:r>
+                        <a:rPr lang="en-US" baseline="0" dirty="0" smtClean="0"/>
+                        <a:t> 13”</a:t>
+                      </a:r>
+                      <a:endParaRPr lang="en-US" dirty="0"/>
+                    </a:p>
+                  </a:txBody>
+                  <a:tcPr marL="102534" marR="102534" marT="51267" marB="51267"/>
+                </a:tc>
+              </a:tr>
+              <a:tr h="456142">
+                <a:tc>
+                  <a:txBody>
+                    <a:bodyPr/>
+                    <a:lstStyle/>
+                    <a:p>
+                      <a:r>
+                        <a:rPr lang="en-US" dirty="0" smtClean="0"/>
+                        <a:t>Multiple new bills</a:t>
+                      </a:r>
+                      <a:endParaRPr lang="en-US" dirty="0"/>
+                    </a:p>
+                  </a:txBody>
+                  <a:tcPr marL="102534" marR="102534" marT="51267" marB="51267"/>
+                </a:tc>
+                <a:tc>
+                  <a:txBody>
+                    <a:bodyPr/>
+                    <a:lstStyle/>
+                    <a:p>
+                      <a:r>
+                        <a:rPr lang="en-US" dirty="0" smtClean="0"/>
+                        <a:t>“6462294051</a:t>
+                      </a:r>
+                      <a:r>
+                        <a:rPr lang="en-US" baseline="0" dirty="0" smtClean="0"/>
+                        <a:t> 15.50 </a:t>
+                      </a:r>
+                      <a:r>
+                        <a:rPr lang="en-US" baseline="0" dirty="0" err="1" smtClean="0"/>
+                        <a:t>jon</a:t>
+                      </a:r>
+                      <a:r>
+                        <a:rPr lang="en-US" baseline="0" dirty="0" smtClean="0"/>
+                        <a:t> 13”</a:t>
+                      </a:r>
+                      <a:endParaRPr lang="en-US" dirty="0"/>
+                    </a:p>
+                  </a:txBody>
+                  <a:tcPr marL="102534" marR="102534" marT="51267" marB="51267"/>
+                </a:tc>
+              </a:tr>
+              <a:tr h="456142">
+                <a:tc>
+                  <a:txBody>
+                    <a:bodyPr/>
+                    <a:lstStyle/>
+                    <a:p>
+                      <a:r>
+                        <a:rPr lang="en-US" dirty="0" smtClean="0"/>
+                        <a:t>Splitting</a:t>
+                      </a:r>
+                      <a:r>
+                        <a:rPr lang="en-US" baseline="0" dirty="0" smtClean="0"/>
+                        <a:t> a bill</a:t>
+                      </a:r>
+                      <a:endParaRPr lang="en-US" dirty="0"/>
+                    </a:p>
+                  </a:txBody>
+                  <a:tcPr marL="102534" marR="102534" marT="51267" marB="51267"/>
+                </a:tc>
+                <a:tc>
+                  <a:txBody>
+                    <a:bodyPr/>
+                    <a:lstStyle/>
+                    <a:p>
+                      <a:r>
+                        <a:rPr lang="en-US" dirty="0" smtClean="0"/>
+                        <a:t>“25.50 6462294051 </a:t>
+                      </a:r>
+                      <a:r>
+                        <a:rPr lang="en-US" dirty="0" err="1" smtClean="0"/>
+                        <a:t>jon</a:t>
+                      </a:r>
+                      <a:r>
+                        <a:rPr lang="en-US" dirty="0" smtClean="0"/>
+                        <a:t> me”</a:t>
+                      </a:r>
+                      <a:endParaRPr lang="en-US" dirty="0"/>
+                    </a:p>
+                  </a:txBody>
+                  <a:tcPr marL="102534" marR="102534" marT="51267" marB="51267"/>
+                </a:tc>
+              </a:tr>
+              <a:tr h="456142">
+                <a:tc>
+                  <a:txBody>
+                    <a:bodyPr/>
+                    <a:lstStyle/>
+                    <a:p>
+                      <a:r>
+                        <a:rPr lang="en-US" dirty="0" smtClean="0"/>
+                        <a:t>New nickname</a:t>
+                      </a:r>
+                      <a:endParaRPr lang="en-US" dirty="0"/>
+                    </a:p>
+                  </a:txBody>
+                  <a:tcPr marL="102534" marR="102534" marT="51267" marB="51267"/>
+                </a:tc>
+                <a:tc>
+                  <a:txBody>
+                    <a:bodyPr/>
+                    <a:lstStyle/>
+                    <a:p>
+                      <a:r>
+                        <a:rPr lang="en-US" dirty="0" smtClean="0"/>
+                        <a:t>“</a:t>
+                      </a:r>
+                      <a:r>
+                        <a:rPr lang="en-US" dirty="0" err="1" smtClean="0"/>
+                        <a:t>jon</a:t>
+                      </a:r>
+                      <a:r>
+                        <a:rPr lang="en-US" dirty="0" smtClean="0"/>
+                        <a:t> </a:t>
+                      </a:r>
+                      <a:r>
+                        <a:rPr lang="en-US" dirty="0" smtClean="0"/>
+                        <a:t>2039804107”</a:t>
+                      </a:r>
+                      <a:endParaRPr lang="en-US" dirty="0"/>
+                    </a:p>
+                  </a:txBody>
+                  <a:tcPr marL="102534" marR="102534" marT="51267" marB="51267"/>
+                </a:tc>
+              </a:tr>
+            </a:tbl>
+          </a:graphicData>
+        </a:graphic>
+      </p:graphicFrame>
+    </p:spTree>
+  </p:cSld>
+  <p:clrMapOvr>
+    <a:masterClrMapping/>
+  </p:clrMapOvr>
+</p:sld>
+</file>
+
 <file path=ppt/slides/slide2.xml><?xml version="1.0" encoding="utf-8"?>
 <p:sld xmlns:a="http://schemas.openxmlformats.org/drawingml/2006/main" xmlns:r="http://schemas.openxmlformats.org/officeDocument/2006/relationships" xmlns:mc="http://schemas.openxmlformats.org/markup-compatibility/2006" xmlns:mv="urn:schemas-microsoft-com:mac:vml" xmlns:p="http://schemas.openxmlformats.org/presentationml/2006/main" mc:Ignorable="mv" mc:PreserveAttributes="mv:*">
   <p:cSld>
@@ -3935,88 +4647,54 @@
           <a:chExt cx="0" cy="0"/>
         </a:xfrm>
       </p:grpSpPr>
-      <p:sp>
-        <p:nvSpPr>
-          <p:cNvPr id="2" name="Title 1"/>
-          <p:cNvSpPr>
-            <a:spLocks noGrp="1"/>
-          </p:cNvSpPr>
-          <p:nvPr>
-            <p:ph type="title"/>
-          </p:nvPr>
-        </p:nvSpPr>
-        <p:spPr/>
-        <p:txBody>
-          <a:bodyPr/>
-          <a:lstStyle/>
-          <a:p>
-            <a:r>
-              <a:rPr lang="en-US" dirty="0" smtClean="0"/>
-              <a:t>The Rules of the Game</a:t>
-            </a:r>
-            <a:endParaRPr lang="en-US" dirty="0"/>
-          </a:p>
-        </p:txBody>
-      </p:sp>
-      <p:sp>
-        <p:nvSpPr>
-          <p:cNvPr id="3" name="Content Placeholder 2"/>
-          <p:cNvSpPr>
-            <a:spLocks noGrp="1"/>
-          </p:cNvSpPr>
-          <p:nvPr>
-            <p:ph idx="1"/>
-          </p:nvPr>
-        </p:nvSpPr>
-        <p:spPr/>
-        <p:txBody>
-          <a:bodyPr>
-            <a:normAutofit/>
-          </a:bodyPr>
-          <a:lstStyle/>
-          <a:p>
-            <a:pPr marL="514350" indent="-514350">
-              <a:buNone/>
-            </a:pPr>
-            <a:r>
-              <a:rPr lang="en-US" dirty="0" smtClean="0"/>
-              <a:t>For all of the following operations, send your message to your saved address.</a:t>
-            </a:r>
-          </a:p>
-          <a:p>
-            <a:pPr marL="514350" indent="-514350">
-              <a:buAutoNum type="arabicPeriod"/>
-            </a:pPr>
-            <a:r>
-              <a:rPr lang="en-US" dirty="0" smtClean="0"/>
-              <a:t>Loan a few bucks</a:t>
-            </a:r>
-          </a:p>
-          <a:p>
-            <a:pPr marL="914400" lvl="1" indent="-514350">
-              <a:buNone/>
-            </a:pPr>
-            <a:r>
-              <a:rPr lang="en-US" dirty="0" smtClean="0"/>
-              <a:t>Send a message with a phone number and an amount less than $9999.99</a:t>
-            </a:r>
-          </a:p>
-          <a:p>
-            <a:pPr marL="914400" lvl="1" indent="-514350">
-              <a:buNone/>
-            </a:pPr>
-            <a:r>
-              <a:rPr lang="en-US" dirty="0" smtClean="0"/>
-              <a:t>For example: </a:t>
-            </a:r>
-            <a:r>
-              <a:rPr lang="en-US" dirty="0" smtClean="0"/>
-              <a:t> “6462294051 15”</a:t>
-            </a:r>
-            <a:endParaRPr lang="en-US" dirty="0" smtClean="0"/>
-          </a:p>
-        </p:txBody>
-      </p:sp>
+      <p:pic>
+        <p:nvPicPr>
+          <p:cNvPr id="5" name="Picture 4"/>
+          <p:cNvPicPr>
+            <a:picLocks noChangeAspect="1"/>
+          </p:cNvPicPr>
+          <p:nvPr/>
+        </p:nvPicPr>
+        <p:blipFill>
+          <a:blip r:embed="rId2"/>
+          <a:stretch>
+            <a:fillRect/>
+          </a:stretch>
+        </p:blipFill>
+        <p:spPr>
+          <a:xfrm>
+            <a:off x="313266" y="194733"/>
+            <a:ext cx="4064000" cy="6096000"/>
+          </a:xfrm>
+          <a:prstGeom prst="rect">
+            <a:avLst/>
+          </a:prstGeom>
+        </p:spPr>
+      </p:pic>
+      <p:pic>
+        <p:nvPicPr>
+          <p:cNvPr id="6" name="Picture 5"/>
+          <p:cNvPicPr>
+            <a:picLocks noChangeAspect="1"/>
+          </p:cNvPicPr>
+          <p:nvPr/>
+        </p:nvPicPr>
+        <p:blipFill>
+          <a:blip r:embed="rId3"/>
+          <a:stretch>
+            <a:fillRect/>
+          </a:stretch>
+        </p:blipFill>
+        <p:spPr>
+          <a:xfrm>
+            <a:off x="4749800" y="194733"/>
+            <a:ext cx="4064000" cy="6096000"/>
+          </a:xfrm>
+          <a:prstGeom prst="rect">
+            <a:avLst/>
+          </a:prstGeom>
+        </p:spPr>
+      </p:pic>
     </p:spTree>
   </p:cSld>
   <p:clrMapOvr>
@@ -4059,7 +4737,7 @@
           <a:p>
             <a:r>
               <a:rPr lang="en-US" dirty="0" smtClean="0"/>
-              <a:t>Phone Numbers are Long	</a:t>
+              <a:t>The Rules of the Game</a:t>
             </a:r>
             <a:endParaRPr lang="en-US" dirty="0"/>
           </a:p>
@@ -4078,86 +4756,44 @@
         <p:spPr/>
         <p:txBody>
           <a:bodyPr>
-            <a:normAutofit fontScale="77500" lnSpcReduction="20000"/>
+            <a:normAutofit/>
           </a:bodyPr>
           <a:lstStyle/>
           <a:p>
-            <a:pPr>
+            <a:pPr marL="514350" indent="-514350">
               <a:buNone/>
             </a:pPr>
             <a:r>
               <a:rPr lang="en-US" dirty="0" smtClean="0"/>
-              <a:t>Texting long numbers is tedious.  Give your friends nicknames.</a:t>
-            </a:r>
-          </a:p>
-          <a:p>
-            <a:pPr>
-              <a:buNone/>
+              <a:t>For all of the following operations, send your message to your saved address.</a:t>
+            </a:r>
+          </a:p>
+          <a:p>
+            <a:pPr marL="514350" indent="-514350">
+              <a:buAutoNum type="arabicPeriod"/>
             </a:pPr>
-            <a:endParaRPr lang="en-US" dirty="0" smtClean="0"/>
-          </a:p>
-          <a:p>
-            <a:pPr>
+            <a:r>
+              <a:rPr lang="en-US" dirty="0" smtClean="0"/>
+              <a:t>Loan a few bucks</a:t>
+            </a:r>
+          </a:p>
+          <a:p>
+            <a:pPr marL="914400" lvl="1" indent="-514350">
               <a:buNone/>
             </a:pPr>
             <a:r>
               <a:rPr lang="en-US" dirty="0" smtClean="0"/>
-              <a:t>Send a message with a nickname and a phone</a:t>
-            </a:r>
-            <a:r>
-              <a:rPr lang="en-US" dirty="0"/>
-              <a:t>#</a:t>
-            </a:r>
+              <a:t>Send a message with a phone number and an amount less than $9999.99</a:t>
+            </a:r>
+          </a:p>
+          <a:p>
+            <a:pPr marL="914400" lvl="1" indent="-514350">
+              <a:buNone/>
+            </a:pPr>
             <a:r>
               <a:rPr lang="en-US" dirty="0" smtClean="0"/>
-              <a:t>  We’ll remember it for you.</a:t>
-            </a:r>
-          </a:p>
-          <a:p>
-            <a:pPr>
-              <a:buNone/>
-            </a:pPr>
-            <a:endParaRPr lang="en-US" dirty="0" smtClean="0"/>
-          </a:p>
-          <a:p>
-            <a:pPr>
-              <a:buNone/>
-            </a:pPr>
-            <a:r>
-              <a:rPr lang="en-US" dirty="0" smtClean="0"/>
-              <a:t>For example: “boss 2039804107”</a:t>
-            </a:r>
-          </a:p>
-          <a:p>
-            <a:pPr>
-              <a:buNone/>
-            </a:pPr>
-            <a:endParaRPr lang="en-US" dirty="0" smtClean="0"/>
-          </a:p>
-          <a:p>
-            <a:pPr>
-              <a:buNone/>
-            </a:pPr>
-            <a:r>
-              <a:rPr lang="en-US" dirty="0" smtClean="0"/>
-              <a:t>Now you can use the nickname in place of a phone number</a:t>
-            </a:r>
-          </a:p>
-          <a:p>
-            <a:pPr>
-              <a:buNone/>
-            </a:pPr>
-            <a:endParaRPr lang="en-US" dirty="0" smtClean="0"/>
-          </a:p>
-          <a:p>
-            <a:pPr>
-              <a:buNone/>
-            </a:pPr>
-            <a:r>
-              <a:rPr lang="en-US" dirty="0" smtClean="0"/>
-              <a:t>For Example: “Boss 7”</a:t>
-            </a:r>
-            <a:endParaRPr lang="en-US" dirty="0"/>
+              <a:t>For example:  “6462294051 15”</a:t>
+            </a:r>
           </a:p>
         </p:txBody>
       </p:sp>
@@ -4170,6 +4806,336 @@
 </file>
 
 <file path=ppt/slides/slide6.xml><?xml version="1.0" encoding="utf-8"?>
+<p:sld xmlns:a="http://schemas.openxmlformats.org/drawingml/2006/main" xmlns:r="http://schemas.openxmlformats.org/officeDocument/2006/relationships" xmlns:mc="http://schemas.openxmlformats.org/markup-compatibility/2006" xmlns:mv="urn:schemas-microsoft-com:mac:vml" xmlns:p="http://schemas.openxmlformats.org/presentationml/2006/main" mc:Ignorable="mv" mc:PreserveAttributes="mv:*">
+  <p:cSld>
+    <p:spTree>
+      <p:nvGrpSpPr>
+        <p:cNvPr id="1" name=""/>
+        <p:cNvGrpSpPr/>
+        <p:nvPr/>
+      </p:nvGrpSpPr>
+      <p:grpSpPr>
+        <a:xfrm>
+          <a:off x="0" y="0"/>
+          <a:ext cx="0" cy="0"/>
+          <a:chOff x="0" y="0"/>
+          <a:chExt cx="0" cy="0"/>
+        </a:xfrm>
+      </p:grpSpPr>
+      <p:sp>
+        <p:nvSpPr>
+          <p:cNvPr id="2" name="Title 1"/>
+          <p:cNvSpPr>
+            <a:spLocks noGrp="1"/>
+          </p:cNvSpPr>
+          <p:nvPr>
+            <p:ph type="title"/>
+          </p:nvPr>
+        </p:nvSpPr>
+        <p:spPr/>
+        <p:txBody>
+          <a:bodyPr/>
+          <a:lstStyle/>
+          <a:p>
+            <a:r>
+              <a:rPr lang="en-US" dirty="0" smtClean="0"/>
+              <a:t>Phone Numbers are Long	</a:t>
+            </a:r>
+            <a:endParaRPr lang="en-US" dirty="0"/>
+          </a:p>
+        </p:txBody>
+      </p:sp>
+      <p:sp>
+        <p:nvSpPr>
+          <p:cNvPr id="3" name="Content Placeholder 2"/>
+          <p:cNvSpPr>
+            <a:spLocks noGrp="1"/>
+          </p:cNvSpPr>
+          <p:nvPr>
+            <p:ph idx="1"/>
+          </p:nvPr>
+        </p:nvSpPr>
+        <p:spPr/>
+        <p:txBody>
+          <a:bodyPr>
+            <a:normAutofit fontScale="77500" lnSpcReduction="20000"/>
+          </a:bodyPr>
+          <a:lstStyle/>
+          <a:p>
+            <a:pPr>
+              <a:buNone/>
+            </a:pPr>
+            <a:r>
+              <a:rPr lang="en-US" dirty="0" smtClean="0"/>
+              <a:t>Texting long numbers is tedious.  Give your friends nicknames.</a:t>
+            </a:r>
+          </a:p>
+          <a:p>
+            <a:pPr>
+              <a:buNone/>
+            </a:pPr>
+            <a:endParaRPr lang="en-US" dirty="0" smtClean="0"/>
+          </a:p>
+          <a:p>
+            <a:pPr>
+              <a:buNone/>
+            </a:pPr>
+            <a:r>
+              <a:rPr lang="en-US" dirty="0" smtClean="0"/>
+              <a:t>Send a message with a nickname and a phone</a:t>
+            </a:r>
+            <a:r>
+              <a:rPr lang="en-US" dirty="0"/>
+              <a:t>#</a:t>
+            </a:r>
+            <a:r>
+              <a:rPr lang="en-US" dirty="0" smtClean="0"/>
+              <a:t>  We’ll remember it for you.</a:t>
+            </a:r>
+          </a:p>
+          <a:p>
+            <a:pPr>
+              <a:buNone/>
+            </a:pPr>
+            <a:endParaRPr lang="en-US" dirty="0" smtClean="0"/>
+          </a:p>
+          <a:p>
+            <a:pPr>
+              <a:buNone/>
+            </a:pPr>
+            <a:r>
+              <a:rPr lang="en-US" dirty="0" smtClean="0"/>
+              <a:t>For example: “boss 2039804107”</a:t>
+            </a:r>
+          </a:p>
+          <a:p>
+            <a:pPr>
+              <a:buNone/>
+            </a:pPr>
+            <a:endParaRPr lang="en-US" dirty="0" smtClean="0"/>
+          </a:p>
+          <a:p>
+            <a:pPr>
+              <a:buNone/>
+            </a:pPr>
+            <a:r>
+              <a:rPr lang="en-US" dirty="0" smtClean="0"/>
+              <a:t>Now you can use the nickname in place of a phone number</a:t>
+            </a:r>
+          </a:p>
+          <a:p>
+            <a:pPr>
+              <a:buNone/>
+            </a:pPr>
+            <a:endParaRPr lang="en-US" dirty="0" smtClean="0"/>
+          </a:p>
+          <a:p>
+            <a:pPr>
+              <a:buNone/>
+            </a:pPr>
+            <a:r>
+              <a:rPr lang="en-US" dirty="0" smtClean="0"/>
+              <a:t>For Example: “Boss 7”</a:t>
+            </a:r>
+            <a:endParaRPr lang="en-US" dirty="0"/>
+          </a:p>
+        </p:txBody>
+      </p:sp>
+    </p:spTree>
+  </p:cSld>
+  <p:clrMapOvr>
+    <a:masterClrMapping/>
+  </p:clrMapOvr>
+</p:sld>
+</file>
+
+<file path=ppt/slides/slide7.xml><?xml version="1.0" encoding="utf-8"?>
+<p:sld xmlns:a="http://schemas.openxmlformats.org/drawingml/2006/main" xmlns:r="http://schemas.openxmlformats.org/officeDocument/2006/relationships" xmlns:mc="http://schemas.openxmlformats.org/markup-compatibility/2006" xmlns:mv="urn:schemas-microsoft-com:mac:vml" xmlns:p="http://schemas.openxmlformats.org/presentationml/2006/main" mc:Ignorable="mv" mc:PreserveAttributes="mv:*">
+  <p:cSld>
+    <p:spTree>
+      <p:nvGrpSpPr>
+        <p:cNvPr id="1" name=""/>
+        <p:cNvGrpSpPr/>
+        <p:nvPr/>
+      </p:nvGrpSpPr>
+      <p:grpSpPr>
+        <a:xfrm>
+          <a:off x="0" y="0"/>
+          <a:ext cx="0" cy="0"/>
+          <a:chOff x="0" y="0"/>
+          <a:chExt cx="0" cy="0"/>
+        </a:xfrm>
+      </p:grpSpPr>
+      <p:pic>
+        <p:nvPicPr>
+          <p:cNvPr id="5" name="Picture 4" descr="IMG_0084.PNG"/>
+          <p:cNvPicPr>
+            <a:picLocks noChangeAspect="1"/>
+          </p:cNvPicPr>
+          <p:nvPr/>
+        </p:nvPicPr>
+        <p:blipFill>
+          <a:blip r:embed="rId2"/>
+          <a:stretch>
+            <a:fillRect/>
+          </a:stretch>
+        </p:blipFill>
+        <p:spPr>
+          <a:xfrm>
+            <a:off x="278871" y="465138"/>
+            <a:ext cx="4064000" cy="6096000"/>
+          </a:xfrm>
+          <a:prstGeom prst="rect">
+            <a:avLst/>
+          </a:prstGeom>
+        </p:spPr>
+      </p:pic>
+      <p:sp>
+        <p:nvSpPr>
+          <p:cNvPr id="8" name="TextBox 7"/>
+          <p:cNvSpPr txBox="1"/>
+          <p:nvPr/>
+        </p:nvSpPr>
+        <p:spPr>
+          <a:xfrm>
+            <a:off x="4538133" y="1888067"/>
+            <a:ext cx="4055533" cy="3447098"/>
+          </a:xfrm>
+          <a:prstGeom prst="rect">
+            <a:avLst/>
+          </a:prstGeom>
+          <a:noFill/>
+        </p:spPr>
+        <p:txBody>
+          <a:bodyPr wrap="square" rtlCol="0">
+            <a:spAutoFit/>
+          </a:bodyPr>
+          <a:lstStyle/>
+          <a:p>
+            <a:r>
+              <a:rPr lang="en-US" sz="4900" dirty="0" smtClean="0"/>
+              <a:t>I give </a:t>
+            </a:r>
+            <a:r>
+              <a:rPr lang="en-US" sz="4900" dirty="0" err="1" smtClean="0"/>
+              <a:t>Waseem</a:t>
+            </a:r>
+            <a:r>
+              <a:rPr lang="en-US" sz="4900" dirty="0" smtClean="0"/>
+              <a:t> a nickname and </a:t>
+            </a:r>
+          </a:p>
+          <a:p>
+            <a:r>
+              <a:rPr lang="en-US" sz="4900" dirty="0" smtClean="0"/>
+              <a:t>bill him $16</a:t>
+            </a:r>
+          </a:p>
+          <a:p>
+            <a:r>
+              <a:rPr lang="en-US" sz="2100" dirty="0" smtClean="0"/>
+              <a:t>(actually I’m just paying him back)</a:t>
+            </a:r>
+            <a:endParaRPr lang="en-US" sz="2100" dirty="0"/>
+          </a:p>
+        </p:txBody>
+      </p:sp>
+    </p:spTree>
+  </p:cSld>
+  <p:clrMapOvr>
+    <a:masterClrMapping/>
+  </p:clrMapOvr>
+</p:sld>
+</file>
+
+<file path=ppt/slides/slide8.xml><?xml version="1.0" encoding="utf-8"?>
+<p:sld xmlns:a="http://schemas.openxmlformats.org/drawingml/2006/main" xmlns:r="http://schemas.openxmlformats.org/officeDocument/2006/relationships" xmlns:mc="http://schemas.openxmlformats.org/markup-compatibility/2006" xmlns:mv="urn:schemas-microsoft-com:mac:vml" xmlns:p="http://schemas.openxmlformats.org/presentationml/2006/main" mc:Ignorable="mv" mc:PreserveAttributes="mv:*">
+  <p:cSld>
+    <p:spTree>
+      <p:nvGrpSpPr>
+        <p:cNvPr id="1" name=""/>
+        <p:cNvGrpSpPr/>
+        <p:nvPr/>
+      </p:nvGrpSpPr>
+      <p:grpSpPr>
+        <a:xfrm>
+          <a:off x="0" y="0"/>
+          <a:ext cx="0" cy="0"/>
+          <a:chOff x="0" y="0"/>
+          <a:chExt cx="0" cy="0"/>
+        </a:xfrm>
+      </p:grpSpPr>
+      <p:pic>
+        <p:nvPicPr>
+          <p:cNvPr id="4" name="Picture 3" descr="photo.jpg"/>
+          <p:cNvPicPr>
+            <a:picLocks noChangeAspect="1"/>
+          </p:cNvPicPr>
+          <p:nvPr/>
+        </p:nvPicPr>
+        <p:blipFill>
+          <a:blip r:embed="rId2"/>
+          <a:stretch>
+            <a:fillRect/>
+          </a:stretch>
+        </p:blipFill>
+        <p:spPr>
+          <a:xfrm>
+            <a:off x="4901671" y="465138"/>
+            <a:ext cx="4064000" cy="6096000"/>
+          </a:xfrm>
+          <a:prstGeom prst="rect">
+            <a:avLst/>
+          </a:prstGeom>
+        </p:spPr>
+      </p:pic>
+      <p:sp>
+        <p:nvSpPr>
+          <p:cNvPr id="5" name="TextBox 4"/>
+          <p:cNvSpPr txBox="1"/>
+          <p:nvPr/>
+        </p:nvSpPr>
+        <p:spPr>
+          <a:xfrm>
+            <a:off x="245533" y="2235200"/>
+            <a:ext cx="4529667" cy="2723823"/>
+          </a:xfrm>
+          <a:prstGeom prst="rect">
+            <a:avLst/>
+          </a:prstGeom>
+          <a:noFill/>
+        </p:spPr>
+        <p:txBody>
+          <a:bodyPr wrap="square" rtlCol="0">
+            <a:spAutoFit/>
+          </a:bodyPr>
+          <a:lstStyle/>
+          <a:p>
+            <a:r>
+              <a:rPr lang="en-US" sz="5700" dirty="0" smtClean="0"/>
+              <a:t>He receives (and </a:t>
+            </a:r>
+            <a:r>
+              <a:rPr lang="en-US" sz="5700" dirty="0" err="1" smtClean="0"/>
+              <a:t>accepts)my</a:t>
+            </a:r>
+            <a:r>
+              <a:rPr lang="en-US" sz="5700" dirty="0" smtClean="0"/>
+              <a:t> bill</a:t>
+            </a:r>
+            <a:endParaRPr lang="en-US" sz="5700" dirty="0"/>
+          </a:p>
+        </p:txBody>
+      </p:sp>
+    </p:spTree>
+  </p:cSld>
+  <p:clrMapOvr>
+    <a:masterClrMapping/>
+  </p:clrMapOvr>
+</p:sld>
+</file>
+
+<file path=ppt/slides/slide9.xml><?xml version="1.0" encoding="utf-8"?>
 <p:sld xmlns:a="http://schemas.openxmlformats.org/drawingml/2006/main" xmlns:r="http://schemas.openxmlformats.org/officeDocument/2006/relationships" xmlns:mc="http://schemas.openxmlformats.org/markup-compatibility/2006" xmlns:mv="urn:schemas-microsoft-com:mac:vml" xmlns:p="http://schemas.openxmlformats.org/presentationml/2006/main" mc:Ignorable="mv" mc:PreserveAttributes="mv:*">
   <p:cSld>
     <p:spTree>
